--- a/KMALLCleanAnalysis.pptx
+++ b/KMALLCleanAnalysis.pptx
@@ -5,22 +5,26 @@
     <p:sldMasterId id="2147483648" r:id="rId4"/>
   </p:sldMasterIdLst>
   <p:notesMasterIdLst>
-    <p:notesMasterId r:id="rId10"/>
+    <p:notesMasterId r:id="rId14"/>
   </p:notesMasterIdLst>
   <p:handoutMasterIdLst>
-    <p:handoutMasterId r:id="rId11"/>
+    <p:handoutMasterId r:id="rId15"/>
   </p:handoutMasterIdLst>
   <p:sldIdLst>
     <p:sldId id="256" r:id="rId5"/>
-    <p:sldId id="257" r:id="rId6"/>
-    <p:sldId id="258" r:id="rId7"/>
-    <p:sldId id="259" r:id="rId8"/>
-    <p:sldId id="260" r:id="rId9"/>
+    <p:sldId id="261" r:id="rId6"/>
+    <p:sldId id="262" r:id="rId7"/>
+    <p:sldId id="263" r:id="rId8"/>
+    <p:sldId id="264" r:id="rId9"/>
+    <p:sldId id="257" r:id="rId10"/>
+    <p:sldId id="258" r:id="rId11"/>
+    <p:sldId id="259" r:id="rId12"/>
+    <p:sldId id="260" r:id="rId13"/>
   </p:sldIdLst>
   <p:sldSz cx="9144000" cy="6858000" type="screen4x3"/>
   <p:notesSz cx="6985000" cy="9283700"/>
   <p:custDataLst>
-    <p:tags r:id="rId12"/>
+    <p:tags r:id="rId16"/>
   </p:custDataLst>
   <p:defaultTextStyle>
     <a:defPPr>
@@ -232,7 +236,7 @@
           <a:p>
             <a:fld id="{EE3FDC46-102A-466C-AE8D-31180465617D}" type="datetimeFigureOut">
               <a:rPr lang="en-US" smtClean="0"/>
-              <a:t>9/15/2023</a:t>
+              <a:t>9/21/2023</a:t>
             </a:fld>
             <a:endParaRPr lang="en-US"/>
           </a:p>
@@ -397,7 +401,7 @@
           <a:p>
             <a:fld id="{21BA8A37-FD1C-4595-A154-124D751F7403}" type="datetimeFigureOut">
               <a:rPr lang="en-GB" smtClean="0"/>
-              <a:t>15/09/2023</a:t>
+              <a:t>21/09/2023</a:t>
             </a:fld>
             <a:endParaRPr lang="en-GB" dirty="0"/>
           </a:p>
@@ -1799,7 +1803,7 @@
             <a:fld id="{7DA27C83-F25A-433E-9E95-FC29404527FF}" type="datetimeFigureOut">
               <a:rPr lang="en-GB" smtClean="0"/>
               <a:pPr/>
-              <a:t>15/09/2023</a:t>
+              <a:t>21/09/2023</a:t>
             </a:fld>
             <a:endParaRPr lang="en-GB" dirty="0"/>
           </a:p>
@@ -2193,31 +2197,6 @@
       </p:sp>
       <p:sp>
         <p:nvSpPr>
-          <p:cNvPr id="3" name="Picture Placeholder 2">
-            <a:extLst>
-              <a:ext uri="{FF2B5EF4-FFF2-40B4-BE49-F238E27FC236}">
-                <a16:creationId xmlns:a16="http://schemas.microsoft.com/office/drawing/2014/main" id="{68D856E7-C56B-4FB2-81DE-37633A699C57}"/>
-              </a:ext>
-            </a:extLst>
-          </p:cNvPr>
-          <p:cNvSpPr>
-            <a:spLocks noGrp="1"/>
-          </p:cNvSpPr>
-          <p:nvPr>
-            <p:ph type="pic" sz="quarter" idx="12"/>
-          </p:nvPr>
-        </p:nvSpPr>
-        <p:spPr/>
-        <p:txBody>
-          <a:bodyPr/>
-          <a:lstStyle/>
-          <a:p>
-            <a:endParaRPr lang="en-AU"/>
-          </a:p>
-        </p:txBody>
-      </p:sp>
-      <p:sp>
-        <p:nvSpPr>
           <p:cNvPr id="4" name="Title 3">
             <a:extLst>
               <a:ext uri="{FF2B5EF4-FFF2-40B4-BE49-F238E27FC236}">
@@ -2244,6 +2223,36 @@
           </a:p>
         </p:txBody>
       </p:sp>
+      <p:pic>
+        <p:nvPicPr>
+          <p:cNvPr id="8" name="Picture 7">
+            <a:extLst>
+              <a:ext uri="{FF2B5EF4-FFF2-40B4-BE49-F238E27FC236}">
+                <a16:creationId xmlns:a16="http://schemas.microsoft.com/office/drawing/2014/main" id="{FBD5985B-8103-6DE6-0AEC-DAF5C9F685DA}"/>
+              </a:ext>
+            </a:extLst>
+          </p:cNvPr>
+          <p:cNvPicPr>
+            <a:picLocks noChangeAspect="1"/>
+          </p:cNvPicPr>
+          <p:nvPr/>
+        </p:nvPicPr>
+        <p:blipFill>
+          <a:blip r:embed="rId2"/>
+          <a:stretch>
+            <a:fillRect/>
+          </a:stretch>
+        </p:blipFill>
+        <p:spPr>
+          <a:xfrm>
+            <a:off x="0" y="1124744"/>
+            <a:ext cx="9144000" cy="4647660"/>
+          </a:xfrm>
+          <a:prstGeom prst="rect">
+            <a:avLst/>
+          </a:prstGeom>
+        </p:spPr>
+      </p:pic>
     </p:spTree>
     <p:extLst>
       <p:ext uri="{BB962C8B-B14F-4D97-AF65-F5344CB8AC3E}">
@@ -2258,6 +2267,838 @@
 </file>
 
 <file path=ppt/slides/slide2.xml><?xml version="1.0" encoding="utf-8"?>
+<p:sld xmlns:a="http://schemas.openxmlformats.org/drawingml/2006/main" xmlns:r="http://schemas.openxmlformats.org/officeDocument/2006/relationships" xmlns:p="http://schemas.openxmlformats.org/presentationml/2006/main">
+  <p:cSld>
+    <p:spTree>
+      <p:nvGrpSpPr>
+        <p:cNvPr id="1" name=""/>
+        <p:cNvGrpSpPr/>
+        <p:nvPr/>
+      </p:nvGrpSpPr>
+      <p:grpSpPr>
+        <a:xfrm>
+          <a:off x="0" y="0"/>
+          <a:ext cx="0" cy="0"/>
+          <a:chOff x="0" y="0"/>
+          <a:chExt cx="0" cy="0"/>
+        </a:xfrm>
+      </p:grpSpPr>
+      <p:sp>
+        <p:nvSpPr>
+          <p:cNvPr id="2" name="Text Placeholder 1">
+            <a:extLst>
+              <a:ext uri="{FF2B5EF4-FFF2-40B4-BE49-F238E27FC236}">
+                <a16:creationId xmlns:a16="http://schemas.microsoft.com/office/drawing/2014/main" id="{9177EA59-C12B-D10C-C6E3-D8AE571F5E1A}"/>
+              </a:ext>
+            </a:extLst>
+          </p:cNvPr>
+          <p:cNvSpPr>
+            <a:spLocks noGrp="1"/>
+          </p:cNvSpPr>
+          <p:nvPr>
+            <p:ph type="body" sz="quarter" idx="12"/>
+          </p:nvPr>
+        </p:nvSpPr>
+        <p:spPr/>
+        <p:txBody>
+          <a:bodyPr/>
+          <a:lstStyle/>
+          <a:p>
+            <a:endParaRPr lang="en-AU"/>
+          </a:p>
+        </p:txBody>
+      </p:sp>
+      <p:sp>
+        <p:nvSpPr>
+          <p:cNvPr id="3" name="Text Placeholder 2">
+            <a:extLst>
+              <a:ext uri="{FF2B5EF4-FFF2-40B4-BE49-F238E27FC236}">
+                <a16:creationId xmlns:a16="http://schemas.microsoft.com/office/drawing/2014/main" id="{256DB60B-352D-F234-25C2-00CCE0F3344E}"/>
+              </a:ext>
+            </a:extLst>
+          </p:cNvPr>
+          <p:cNvSpPr>
+            <a:spLocks noGrp="1"/>
+          </p:cNvSpPr>
+          <p:nvPr>
+            <p:ph type="body" sz="quarter" idx="13"/>
+          </p:nvPr>
+        </p:nvSpPr>
+        <p:spPr/>
+        <p:txBody>
+          <a:bodyPr/>
+          <a:lstStyle/>
+          <a:p>
+            <a:endParaRPr lang="en-AU"/>
+          </a:p>
+        </p:txBody>
+      </p:sp>
+      <p:sp>
+        <p:nvSpPr>
+          <p:cNvPr id="4" name="Title 3">
+            <a:extLst>
+              <a:ext uri="{FF2B5EF4-FFF2-40B4-BE49-F238E27FC236}">
+                <a16:creationId xmlns:a16="http://schemas.microsoft.com/office/drawing/2014/main" id="{EBC3C3ED-B946-D8F4-1863-802504EA4943}"/>
+              </a:ext>
+            </a:extLst>
+          </p:cNvPr>
+          <p:cNvSpPr>
+            <a:spLocks noGrp="1"/>
+          </p:cNvSpPr>
+          <p:nvPr>
+            <p:ph type="title"/>
+          </p:nvPr>
+        </p:nvSpPr>
+        <p:spPr/>
+        <p:txBody>
+          <a:bodyPr/>
+          <a:lstStyle/>
+          <a:p>
+            <a:endParaRPr lang="en-AU"/>
+          </a:p>
+        </p:txBody>
+      </p:sp>
+      <p:pic>
+        <p:nvPicPr>
+          <p:cNvPr id="5" name="Picture 4">
+            <a:extLst>
+              <a:ext uri="{FF2B5EF4-FFF2-40B4-BE49-F238E27FC236}">
+                <a16:creationId xmlns:a16="http://schemas.microsoft.com/office/drawing/2014/main" id="{C5CD7148-BCAD-A547-36D8-C1B26C2D165A}"/>
+              </a:ext>
+            </a:extLst>
+          </p:cNvPr>
+          <p:cNvPicPr>
+            <a:picLocks noChangeAspect="1"/>
+          </p:cNvPicPr>
+          <p:nvPr/>
+        </p:nvPicPr>
+        <p:blipFill>
+          <a:blip r:embed="rId2"/>
+          <a:stretch>
+            <a:fillRect/>
+          </a:stretch>
+        </p:blipFill>
+        <p:spPr>
+          <a:xfrm>
+            <a:off x="21492" y="1268760"/>
+            <a:ext cx="9128677" cy="4051158"/>
+          </a:xfrm>
+          <a:prstGeom prst="rect">
+            <a:avLst/>
+          </a:prstGeom>
+        </p:spPr>
+      </p:pic>
+    </p:spTree>
+    <p:extLst>
+      <p:ext uri="{BB962C8B-B14F-4D97-AF65-F5344CB8AC3E}">
+        <p14:creationId xmlns:p14="http://schemas.microsoft.com/office/powerpoint/2010/main" val="308111405"/>
+      </p:ext>
+    </p:extLst>
+  </p:cSld>
+  <p:clrMapOvr>
+    <a:masterClrMapping/>
+  </p:clrMapOvr>
+</p:sld>
+</file>
+
+<file path=ppt/slides/slide3.xml><?xml version="1.0" encoding="utf-8"?>
+<p:sld xmlns:a="http://schemas.openxmlformats.org/drawingml/2006/main" xmlns:r="http://schemas.openxmlformats.org/officeDocument/2006/relationships" xmlns:p="http://schemas.openxmlformats.org/presentationml/2006/main">
+  <p:cSld>
+    <p:spTree>
+      <p:nvGrpSpPr>
+        <p:cNvPr id="1" name=""/>
+        <p:cNvGrpSpPr/>
+        <p:nvPr/>
+      </p:nvGrpSpPr>
+      <p:grpSpPr>
+        <a:xfrm>
+          <a:off x="0" y="0"/>
+          <a:ext cx="0" cy="0"/>
+          <a:chOff x="0" y="0"/>
+          <a:chExt cx="0" cy="0"/>
+        </a:xfrm>
+      </p:grpSpPr>
+      <p:sp>
+        <p:nvSpPr>
+          <p:cNvPr id="2" name="Text Placeholder 1">
+            <a:extLst>
+              <a:ext uri="{FF2B5EF4-FFF2-40B4-BE49-F238E27FC236}">
+                <a16:creationId xmlns:a16="http://schemas.microsoft.com/office/drawing/2014/main" id="{9177EA59-C12B-D10C-C6E3-D8AE571F5E1A}"/>
+              </a:ext>
+            </a:extLst>
+          </p:cNvPr>
+          <p:cNvSpPr>
+            <a:spLocks noGrp="1"/>
+          </p:cNvSpPr>
+          <p:nvPr>
+            <p:ph type="body" sz="quarter" idx="12"/>
+          </p:nvPr>
+        </p:nvSpPr>
+        <p:spPr/>
+        <p:txBody>
+          <a:bodyPr/>
+          <a:lstStyle/>
+          <a:p>
+            <a:endParaRPr lang="en-AU"/>
+          </a:p>
+        </p:txBody>
+      </p:sp>
+      <p:sp>
+        <p:nvSpPr>
+          <p:cNvPr id="3" name="Text Placeholder 2">
+            <a:extLst>
+              <a:ext uri="{FF2B5EF4-FFF2-40B4-BE49-F238E27FC236}">
+                <a16:creationId xmlns:a16="http://schemas.microsoft.com/office/drawing/2014/main" id="{256DB60B-352D-F234-25C2-00CCE0F3344E}"/>
+              </a:ext>
+            </a:extLst>
+          </p:cNvPr>
+          <p:cNvSpPr>
+            <a:spLocks noGrp="1"/>
+          </p:cNvSpPr>
+          <p:nvPr>
+            <p:ph type="body" sz="quarter" idx="13"/>
+          </p:nvPr>
+        </p:nvSpPr>
+        <p:spPr/>
+        <p:txBody>
+          <a:bodyPr/>
+          <a:lstStyle/>
+          <a:p>
+            <a:endParaRPr lang="en-AU"/>
+          </a:p>
+        </p:txBody>
+      </p:sp>
+      <p:sp>
+        <p:nvSpPr>
+          <p:cNvPr id="4" name="Title 3">
+            <a:extLst>
+              <a:ext uri="{FF2B5EF4-FFF2-40B4-BE49-F238E27FC236}">
+                <a16:creationId xmlns:a16="http://schemas.microsoft.com/office/drawing/2014/main" id="{EBC3C3ED-B946-D8F4-1863-802504EA4943}"/>
+              </a:ext>
+            </a:extLst>
+          </p:cNvPr>
+          <p:cNvSpPr>
+            <a:spLocks noGrp="1"/>
+          </p:cNvSpPr>
+          <p:nvPr>
+            <p:ph type="title"/>
+          </p:nvPr>
+        </p:nvSpPr>
+        <p:spPr/>
+        <p:txBody>
+          <a:bodyPr/>
+          <a:lstStyle/>
+          <a:p>
+            <a:r>
+              <a:rPr lang="en-AU" dirty="0" err="1"/>
+              <a:t>GGFindOutlier</a:t>
+            </a:r>
+            <a:endParaRPr lang="en-AU" dirty="0"/>
+          </a:p>
+        </p:txBody>
+      </p:sp>
+      <p:pic>
+        <p:nvPicPr>
+          <p:cNvPr id="6" name="Picture 5">
+            <a:extLst>
+              <a:ext uri="{FF2B5EF4-FFF2-40B4-BE49-F238E27FC236}">
+                <a16:creationId xmlns:a16="http://schemas.microsoft.com/office/drawing/2014/main" id="{61354CFB-24C3-3EEA-DD90-FA75633112DE}"/>
+              </a:ext>
+            </a:extLst>
+          </p:cNvPr>
+          <p:cNvPicPr>
+            <a:picLocks noChangeAspect="1"/>
+          </p:cNvPicPr>
+          <p:nvPr/>
+        </p:nvPicPr>
+        <p:blipFill>
+          <a:blip r:embed="rId2"/>
+          <a:stretch>
+            <a:fillRect/>
+          </a:stretch>
+        </p:blipFill>
+        <p:spPr>
+          <a:xfrm>
+            <a:off x="0" y="969169"/>
+            <a:ext cx="9144000" cy="4919662"/>
+          </a:xfrm>
+          <a:prstGeom prst="rect">
+            <a:avLst/>
+          </a:prstGeom>
+        </p:spPr>
+      </p:pic>
+    </p:spTree>
+    <p:extLst>
+      <p:ext uri="{BB962C8B-B14F-4D97-AF65-F5344CB8AC3E}">
+        <p14:creationId xmlns:p14="http://schemas.microsoft.com/office/powerpoint/2010/main" val="3582772105"/>
+      </p:ext>
+    </p:extLst>
+  </p:cSld>
+  <p:clrMapOvr>
+    <a:masterClrMapping/>
+  </p:clrMapOvr>
+</p:sld>
+</file>
+
+<file path=ppt/slides/slide4.xml><?xml version="1.0" encoding="utf-8"?>
+<p:sld xmlns:a="http://schemas.openxmlformats.org/drawingml/2006/main" xmlns:r="http://schemas.openxmlformats.org/officeDocument/2006/relationships" xmlns:p="http://schemas.openxmlformats.org/presentationml/2006/main">
+  <p:cSld>
+    <p:spTree>
+      <p:nvGrpSpPr>
+        <p:cNvPr id="1" name=""/>
+        <p:cNvGrpSpPr/>
+        <p:nvPr/>
+      </p:nvGrpSpPr>
+      <p:grpSpPr>
+        <a:xfrm>
+          <a:off x="0" y="0"/>
+          <a:ext cx="0" cy="0"/>
+          <a:chOff x="0" y="0"/>
+          <a:chExt cx="0" cy="0"/>
+        </a:xfrm>
+      </p:grpSpPr>
+      <p:sp>
+        <p:nvSpPr>
+          <p:cNvPr id="3" name="Text Placeholder 2">
+            <a:extLst>
+              <a:ext uri="{FF2B5EF4-FFF2-40B4-BE49-F238E27FC236}">
+                <a16:creationId xmlns:a16="http://schemas.microsoft.com/office/drawing/2014/main" id="{256DB60B-352D-F234-25C2-00CCE0F3344E}"/>
+              </a:ext>
+            </a:extLst>
+          </p:cNvPr>
+          <p:cNvSpPr>
+            <a:spLocks noGrp="1"/>
+          </p:cNvSpPr>
+          <p:nvPr>
+            <p:ph type="body" sz="quarter" idx="13"/>
+          </p:nvPr>
+        </p:nvSpPr>
+        <p:spPr/>
+        <p:txBody>
+          <a:bodyPr/>
+          <a:lstStyle/>
+          <a:p>
+            <a:endParaRPr lang="en-AU"/>
+          </a:p>
+        </p:txBody>
+      </p:sp>
+      <p:sp>
+        <p:nvSpPr>
+          <p:cNvPr id="4" name="Title 3">
+            <a:extLst>
+              <a:ext uri="{FF2B5EF4-FFF2-40B4-BE49-F238E27FC236}">
+                <a16:creationId xmlns:a16="http://schemas.microsoft.com/office/drawing/2014/main" id="{EBC3C3ED-B946-D8F4-1863-802504EA4943}"/>
+              </a:ext>
+            </a:extLst>
+          </p:cNvPr>
+          <p:cNvSpPr>
+            <a:spLocks noGrp="1"/>
+          </p:cNvSpPr>
+          <p:nvPr>
+            <p:ph type="title"/>
+          </p:nvPr>
+        </p:nvSpPr>
+        <p:spPr/>
+        <p:txBody>
+          <a:bodyPr/>
+          <a:lstStyle/>
+          <a:p>
+            <a:r>
+              <a:rPr lang="en-AU" dirty="0" err="1"/>
+              <a:t>GGFindOutlier</a:t>
+            </a:r>
+            <a:endParaRPr lang="en-AU" dirty="0"/>
+          </a:p>
+        </p:txBody>
+      </p:sp>
+      <p:pic>
+        <p:nvPicPr>
+          <p:cNvPr id="6" name="Picture 5">
+            <a:extLst>
+              <a:ext uri="{FF2B5EF4-FFF2-40B4-BE49-F238E27FC236}">
+                <a16:creationId xmlns:a16="http://schemas.microsoft.com/office/drawing/2014/main" id="{39E11989-5DCB-F837-1747-60FCA983C8A0}"/>
+              </a:ext>
+            </a:extLst>
+          </p:cNvPr>
+          <p:cNvPicPr>
+            <a:picLocks noChangeAspect="1"/>
+          </p:cNvPicPr>
+          <p:nvPr/>
+        </p:nvPicPr>
+        <p:blipFill>
+          <a:blip r:embed="rId2"/>
+          <a:stretch>
+            <a:fillRect/>
+          </a:stretch>
+        </p:blipFill>
+        <p:spPr>
+          <a:xfrm>
+            <a:off x="0" y="560319"/>
+            <a:ext cx="9144000" cy="4925161"/>
+          </a:xfrm>
+          <a:prstGeom prst="rect">
+            <a:avLst/>
+          </a:prstGeom>
+        </p:spPr>
+      </p:pic>
+    </p:spTree>
+    <p:extLst>
+      <p:ext uri="{BB962C8B-B14F-4D97-AF65-F5344CB8AC3E}">
+        <p14:creationId xmlns:p14="http://schemas.microsoft.com/office/powerpoint/2010/main" val="2189374336"/>
+      </p:ext>
+    </p:extLst>
+  </p:cSld>
+  <p:clrMapOvr>
+    <a:masterClrMapping/>
+  </p:clrMapOvr>
+</p:sld>
+</file>
+
+<file path=ppt/slides/slide5.xml><?xml version="1.0" encoding="utf-8"?>
+<p:sld xmlns:a="http://schemas.openxmlformats.org/drawingml/2006/main" xmlns:r="http://schemas.openxmlformats.org/officeDocument/2006/relationships" xmlns:p="http://schemas.openxmlformats.org/presentationml/2006/main">
+  <p:cSld>
+    <p:spTree>
+      <p:nvGrpSpPr>
+        <p:cNvPr id="1" name=""/>
+        <p:cNvGrpSpPr/>
+        <p:nvPr/>
+      </p:nvGrpSpPr>
+      <p:grpSpPr>
+        <a:xfrm>
+          <a:off x="0" y="0"/>
+          <a:ext cx="0" cy="0"/>
+          <a:chOff x="0" y="0"/>
+          <a:chExt cx="0" cy="0"/>
+        </a:xfrm>
+      </p:grpSpPr>
+      <p:sp>
+        <p:nvSpPr>
+          <p:cNvPr id="2" name="Text Placeholder 1">
+            <a:extLst>
+              <a:ext uri="{FF2B5EF4-FFF2-40B4-BE49-F238E27FC236}">
+                <a16:creationId xmlns:a16="http://schemas.microsoft.com/office/drawing/2014/main" id="{9177EA59-C12B-D10C-C6E3-D8AE571F5E1A}"/>
+              </a:ext>
+            </a:extLst>
+          </p:cNvPr>
+          <p:cNvSpPr>
+            <a:spLocks noGrp="1"/>
+          </p:cNvSpPr>
+          <p:nvPr>
+            <p:ph type="body" sz="quarter" idx="12"/>
+          </p:nvPr>
+        </p:nvSpPr>
+        <p:spPr/>
+        <p:txBody>
+          <a:bodyPr>
+            <a:normAutofit fontScale="55000" lnSpcReduction="20000"/>
+          </a:bodyPr>
+          <a:lstStyle/>
+          <a:p>
+            <a:r>
+              <a:rPr lang="en-AU" b="1" dirty="0"/>
+              <a:t>python c:\ggtools\kmallclean\ggfindoutlier.py -</a:t>
+            </a:r>
+            <a:r>
+              <a:rPr lang="en-AU" b="1" dirty="0" err="1"/>
+              <a:t>epsg</a:t>
+            </a:r>
+            <a:r>
+              <a:rPr lang="en-AU" b="1" dirty="0"/>
+              <a:t> 32751</a:t>
+            </a:r>
+          </a:p>
+          <a:p>
+            <a:r>
+              <a:rPr lang="en-AU" dirty="0"/>
+              <a:t>configuration: Namespace(</a:t>
+            </a:r>
+            <a:r>
+              <a:rPr lang="en-AU" dirty="0" err="1"/>
+              <a:t>epsg</a:t>
+            </a:r>
+            <a:r>
+              <a:rPr lang="en-AU" dirty="0"/>
+              <a:t>='32751', </a:t>
+            </a:r>
+            <a:r>
+              <a:rPr lang="en-AU" dirty="0" err="1"/>
+              <a:t>inputfile</a:t>
+            </a:r>
+            <a:r>
+              <a:rPr lang="en-AU" dirty="0"/>
+              <a:t>='', </a:t>
+            </a:r>
+            <a:r>
+              <a:rPr lang="en-AU" dirty="0" err="1"/>
+              <a:t>odir</a:t>
+            </a:r>
+            <a:r>
+              <a:rPr lang="en-AU" dirty="0"/>
+              <a:t>='NearestNeighbours_20_OutliersPercent_0.10_zscale_1.00', </a:t>
+            </a:r>
+            <a:r>
+              <a:rPr lang="en-AU" dirty="0" err="1"/>
+              <a:t>numpoints</a:t>
+            </a:r>
+            <a:r>
+              <a:rPr lang="en-AU" dirty="0"/>
+              <a:t>='20', </a:t>
+            </a:r>
+            <a:r>
+              <a:rPr lang="en-AU" dirty="0" err="1"/>
+              <a:t>outlierpercentage</a:t>
+            </a:r>
+            <a:r>
+              <a:rPr lang="en-AU" dirty="0"/>
+              <a:t>='0.1', </a:t>
+            </a:r>
+            <a:r>
+              <a:rPr lang="en-AU" dirty="0" err="1"/>
+              <a:t>zscale</a:t>
+            </a:r>
+            <a:r>
+              <a:rPr lang="en-AU" dirty="0"/>
+              <a:t>='1.0', standard='order1a', debug='-1')</a:t>
+            </a:r>
+          </a:p>
+          <a:p>
+            <a:r>
+              <a:rPr lang="en-AU" dirty="0"/>
+              <a:t>Output Folder: Y:/Subsea-Cloud/ggtools/kmallclean/TIFF2\NearestNeighbours_20_OutliersPercent_0.10_zscale_1.00</a:t>
+            </a:r>
+          </a:p>
+          <a:p>
+            <a:r>
+              <a:rPr lang="en-AU" dirty="0"/>
+              <a:t>Processing file: Y:/Subsea-Cloud/ggtools/kmallclean/TIFF2/SI1026_B_MBE_c1m_LAT_1a_Final_Depth_r1.tif</a:t>
+            </a:r>
+          </a:p>
+          <a:p>
+            <a:r>
+              <a:rPr lang="en-AU" b="1" dirty="0"/>
+              <a:t>Cleaning to IHO Standard: order1a</a:t>
+            </a:r>
+          </a:p>
+          <a:p>
+            <a:r>
+              <a:rPr lang="en-AU" dirty="0" err="1"/>
+              <a:t>EPSGCode</a:t>
+            </a:r>
+            <a:r>
+              <a:rPr lang="en-AU" dirty="0"/>
+              <a:t> for geodetic conversions: 32751</a:t>
+            </a:r>
+          </a:p>
+          <a:p>
+            <a:r>
+              <a:rPr lang="en-AU" dirty="0"/>
+              <a:t>Band1 has shape (11989, 7180)</a:t>
+            </a:r>
+          </a:p>
+          <a:p>
+            <a:r>
+              <a:rPr lang="en-AU" dirty="0" err="1"/>
+              <a:t>lons</a:t>
+            </a:r>
+            <a:r>
+              <a:rPr lang="en-AU" dirty="0"/>
+              <a:t> shape (86081020,)</a:t>
+            </a:r>
+          </a:p>
+          <a:p>
+            <a:r>
+              <a:rPr lang="en-AU" dirty="0"/>
+              <a:t>Loading Point Cloud...</a:t>
+            </a:r>
+          </a:p>
+          <a:p>
+            <a:r>
+              <a:rPr lang="en-AU" b="1" dirty="0"/>
+              <a:t>Depths loaded for cleaning: 30,555,522</a:t>
+            </a:r>
+          </a:p>
+          <a:p>
+            <a:r>
+              <a:rPr lang="en-AU" dirty="0"/>
+              <a:t>Understanding your data noise levels...</a:t>
+            </a:r>
+          </a:p>
+          <a:p>
+            <a:r>
+              <a:rPr lang="en-AU" dirty="0"/>
+              <a:t>Current filter Nearest Neighbours 20</a:t>
+            </a:r>
+          </a:p>
+          <a:p>
+            <a:r>
+              <a:rPr lang="en-AU" dirty="0"/>
+              <a:t>Current filter </a:t>
+            </a:r>
+            <a:r>
+              <a:rPr lang="en-AU" dirty="0" err="1"/>
+              <a:t>StdDEv</a:t>
+            </a:r>
+            <a:r>
+              <a:rPr lang="en-AU" dirty="0"/>
+              <a:t> 50.00</a:t>
+            </a:r>
+          </a:p>
+          <a:p>
+            <a:r>
+              <a:rPr lang="en-AU" dirty="0"/>
+              <a:t>Percentage rejection 0.00</a:t>
+            </a:r>
+          </a:p>
+          <a:p>
+            <a:r>
+              <a:rPr lang="en-AU" dirty="0"/>
+              <a:t>Filter level increasing to reject a few more points...</a:t>
+            </a:r>
+          </a:p>
+          <a:p>
+            <a:r>
+              <a:rPr lang="en-AU" dirty="0"/>
+              <a:t>Current filter Nearest Neighbours 20</a:t>
+            </a:r>
+          </a:p>
+          <a:p>
+            <a:r>
+              <a:rPr lang="en-AU" dirty="0"/>
+              <a:t>Current filter </a:t>
+            </a:r>
+            <a:r>
+              <a:rPr lang="en-AU" dirty="0" err="1"/>
+              <a:t>StdDEv</a:t>
+            </a:r>
+            <a:r>
+              <a:rPr lang="en-AU" dirty="0"/>
+              <a:t> 25.00</a:t>
+            </a:r>
+          </a:p>
+          <a:p>
+            <a:r>
+              <a:rPr lang="en-AU" dirty="0"/>
+              <a:t>Percentage rejection 0.02</a:t>
+            </a:r>
+          </a:p>
+          <a:p>
+            <a:r>
+              <a:rPr lang="en-AU" dirty="0"/>
+              <a:t>Filter level increasing to reject a few more points...</a:t>
+            </a:r>
+          </a:p>
+          <a:p>
+            <a:r>
+              <a:rPr lang="en-AU" dirty="0"/>
+              <a:t>Current filter Nearest Neighbours 20</a:t>
+            </a:r>
+          </a:p>
+          <a:p>
+            <a:r>
+              <a:rPr lang="en-AU" dirty="0"/>
+              <a:t>Current filter </a:t>
+            </a:r>
+            <a:r>
+              <a:rPr lang="en-AU" dirty="0" err="1"/>
+              <a:t>StdDEv</a:t>
+            </a:r>
+            <a:r>
+              <a:rPr lang="en-AU" dirty="0"/>
+              <a:t> 12.50</a:t>
+            </a:r>
+          </a:p>
+          <a:p>
+            <a:r>
+              <a:rPr lang="en-AU" dirty="0"/>
+              <a:t>Percentage rejection 0.15</a:t>
+            </a:r>
+          </a:p>
+          <a:p>
+            <a:r>
+              <a:rPr lang="en-AU" dirty="0"/>
+              <a:t>Filter level decreasing to reject a few less points...</a:t>
+            </a:r>
+          </a:p>
+          <a:p>
+            <a:r>
+              <a:rPr lang="en-AU" dirty="0"/>
+              <a:t>Current filter Nearest Neighbours 20</a:t>
+            </a:r>
+          </a:p>
+          <a:p>
+            <a:r>
+              <a:rPr lang="en-AU" dirty="0"/>
+              <a:t>Current filter </a:t>
+            </a:r>
+            <a:r>
+              <a:rPr lang="en-AU" dirty="0" err="1"/>
+              <a:t>StdDEv</a:t>
+            </a:r>
+            <a:r>
+              <a:rPr lang="en-AU" dirty="0"/>
+              <a:t> 18.75</a:t>
+            </a:r>
+          </a:p>
+          <a:p>
+            <a:r>
+              <a:rPr lang="en-AU" dirty="0"/>
+              <a:t>Percentage rejection 0.08</a:t>
+            </a:r>
+          </a:p>
+          <a:p>
+            <a:r>
+              <a:rPr lang="en-AU" dirty="0"/>
+              <a:t>Points accepted by machine learning: 30531793.00</a:t>
+            </a:r>
+          </a:p>
+          <a:p>
+            <a:r>
+              <a:rPr lang="en-AU" dirty="0"/>
+              <a:t>Points tagged for further evaluation: 23729.00</a:t>
+            </a:r>
+          </a:p>
+          <a:p>
+            <a:r>
+              <a:rPr lang="en-AU" dirty="0"/>
+              <a:t>Clean Duration: 111.421 seconds</a:t>
+            </a:r>
+          </a:p>
+          <a:p>
+            <a:r>
+              <a:rPr lang="en-AU" dirty="0"/>
+              <a:t>Creating raw laz file of input raw points: Y:/Subsea-Cloud/ggtools/kmallclean/TIFF2\NearestNeighbours_20_OutliersPercent_0.10_zscale_1.00\SI1026_B_MBE_c1m_LAT_1a_Final_Depth_r1_R.txt</a:t>
+            </a:r>
+          </a:p>
+          <a:p>
+            <a:r>
+              <a:rPr lang="en-AU" dirty="0"/>
+              <a:t>Created REGIONAL TIF file for IHO validation: Y:/Subsea-Cloud/ggtools/kmallclean/TIFF2/NearestNeighbours_20_OutliersPercent_0.10_zscale_1.00/SI1026_B_MBE_c1m_LAT_1a_Final_Depth_r1_R.laz</a:t>
+            </a:r>
+          </a:p>
+          <a:p>
+            <a:r>
+              <a:rPr lang="en-AU" dirty="0"/>
+              <a:t>Created REGIONAL LAZ file of input raw points: Y:/Subsea-Cloud/ggtools/kmallclean/TIFF2/SI1026_B_MBE_c1m_LAT_1a_Final_Depth_r1.tif</a:t>
+            </a:r>
+          </a:p>
+          <a:p>
+            <a:r>
+              <a:rPr lang="en-AU" dirty="0"/>
+              <a:t>Points accepted: 30546737</a:t>
+            </a:r>
+          </a:p>
+          <a:p>
+            <a:r>
+              <a:rPr lang="en-AU" b="1" dirty="0"/>
+              <a:t>Points outside specification: 8785</a:t>
+            </a:r>
+          </a:p>
+          <a:p>
+            <a:r>
+              <a:rPr lang="en-AU" b="1" dirty="0"/>
+              <a:t>Percentage outside specification: 0.0288</a:t>
+            </a:r>
+          </a:p>
+          <a:p>
+            <a:r>
+              <a:rPr lang="en-AU" dirty="0"/>
+              <a:t>Creating tif file... Y:/Subsea-Cloud/ggtools/kmallclean/TIFF2\NearestNeighbours_20_OutliersPercent_0.10_zscale_1.00\SI1026_B_MBE_c1m_LAT_1a_Final_Depth_r1.tif_Inlier.txt_Depth.tif</a:t>
+            </a:r>
+          </a:p>
+          <a:p>
+            <a:r>
+              <a:rPr lang="en-AU" dirty="0"/>
+              <a:t>Creating tif file Complete.</a:t>
+            </a:r>
+          </a:p>
+          <a:p>
+            <a:r>
+              <a:rPr lang="en-AU" dirty="0"/>
+              <a:t>Created LAZ file of inliers: Y:/Subsea-Cloud/ggtools/kmallclean/TIFF2/NearestNeighbours_20_OutliersPercent_0.10_zscale_1.00/SI1026_B_MBE_c1m_LAT_1a_Final_Depth_r1.tif_Inlier.laz</a:t>
+            </a:r>
+          </a:p>
+          <a:p>
+            <a:r>
+              <a:rPr lang="en-AU" dirty="0"/>
+              <a:t>Created LAZ file of outliers: Y:/Subsea-Cloud/ggtools/kmallclean/TIFF2/NearestNeighbours_20_OutliersPercent_0.10_zscale_1.00/SI1026_B_MBE_c1m_LAT_1a_Final_Depth_r1.tif_Outlier.laz</a:t>
+            </a:r>
+          </a:p>
+          <a:p>
+            <a:r>
+              <a:rPr lang="en-AU" dirty="0"/>
+              <a:t>Cleaning complete at: 2023-09-21 17:31:57.884053</a:t>
+            </a:r>
+          </a:p>
+        </p:txBody>
+      </p:sp>
+      <p:sp>
+        <p:nvSpPr>
+          <p:cNvPr id="3" name="Text Placeholder 2">
+            <a:extLst>
+              <a:ext uri="{FF2B5EF4-FFF2-40B4-BE49-F238E27FC236}">
+                <a16:creationId xmlns:a16="http://schemas.microsoft.com/office/drawing/2014/main" id="{256DB60B-352D-F234-25C2-00CCE0F3344E}"/>
+              </a:ext>
+            </a:extLst>
+          </p:cNvPr>
+          <p:cNvSpPr>
+            <a:spLocks noGrp="1"/>
+          </p:cNvSpPr>
+          <p:nvPr>
+            <p:ph type="body" sz="quarter" idx="13"/>
+          </p:nvPr>
+        </p:nvSpPr>
+        <p:spPr/>
+        <p:txBody>
+          <a:bodyPr/>
+          <a:lstStyle/>
+          <a:p>
+            <a:endParaRPr lang="en-AU"/>
+          </a:p>
+        </p:txBody>
+      </p:sp>
+      <p:sp>
+        <p:nvSpPr>
+          <p:cNvPr id="4" name="Title 3">
+            <a:extLst>
+              <a:ext uri="{FF2B5EF4-FFF2-40B4-BE49-F238E27FC236}">
+                <a16:creationId xmlns:a16="http://schemas.microsoft.com/office/drawing/2014/main" id="{EBC3C3ED-B946-D8F4-1863-802504EA4943}"/>
+              </a:ext>
+            </a:extLst>
+          </p:cNvPr>
+          <p:cNvSpPr>
+            <a:spLocks noGrp="1"/>
+          </p:cNvSpPr>
+          <p:nvPr>
+            <p:ph type="title"/>
+          </p:nvPr>
+        </p:nvSpPr>
+        <p:spPr/>
+        <p:txBody>
+          <a:bodyPr/>
+          <a:lstStyle/>
+          <a:p>
+            <a:r>
+              <a:rPr lang="en-AU" dirty="0" err="1"/>
+              <a:t>GGFindOutlier</a:t>
+            </a:r>
+            <a:endParaRPr lang="en-AU" dirty="0"/>
+          </a:p>
+        </p:txBody>
+      </p:sp>
+    </p:spTree>
+    <p:extLst>
+      <p:ext uri="{BB962C8B-B14F-4D97-AF65-F5344CB8AC3E}">
+        <p14:creationId xmlns:p14="http://schemas.microsoft.com/office/powerpoint/2010/main" val="657332716"/>
+      </p:ext>
+    </p:extLst>
+  </p:cSld>
+  <p:clrMapOvr>
+    <a:masterClrMapping/>
+  </p:clrMapOvr>
+</p:sld>
+</file>
+
+<file path=ppt/slides/slide6.xml><?xml version="1.0" encoding="utf-8"?>
 <p:sld xmlns:a="http://schemas.openxmlformats.org/drawingml/2006/main" xmlns:r="http://schemas.openxmlformats.org/officeDocument/2006/relationships" xmlns:p="http://schemas.openxmlformats.org/presentationml/2006/main">
   <p:cSld>
     <p:spTree>
@@ -2398,7 +3239,7 @@
 </p:sld>
 </file>
 
-<file path=ppt/slides/slide3.xml><?xml version="1.0" encoding="utf-8"?>
+<file path=ppt/slides/slide7.xml><?xml version="1.0" encoding="utf-8"?>
 <p:sld xmlns:a="http://schemas.openxmlformats.org/drawingml/2006/main" xmlns:r="http://schemas.openxmlformats.org/officeDocument/2006/relationships" xmlns:p="http://schemas.openxmlformats.org/presentationml/2006/main">
   <p:cSld>
     <p:spTree>
@@ -2647,7 +3488,7 @@
 </p:sld>
 </file>
 
-<file path=ppt/slides/slide4.xml><?xml version="1.0" encoding="utf-8"?>
+<file path=ppt/slides/slide8.xml><?xml version="1.0" encoding="utf-8"?>
 <p:sld xmlns:a="http://schemas.openxmlformats.org/drawingml/2006/main" xmlns:r="http://schemas.openxmlformats.org/officeDocument/2006/relationships" xmlns:p="http://schemas.openxmlformats.org/presentationml/2006/main">
   <p:cSld>
     <p:spTree>
@@ -2776,7 +3617,7 @@
 </p:sld>
 </file>
 
-<file path=ppt/slides/slide5.xml><?xml version="1.0" encoding="utf-8"?>
+<file path=ppt/slides/slide9.xml><?xml version="1.0" encoding="utf-8"?>
 <p:sld xmlns:a="http://schemas.openxmlformats.org/drawingml/2006/main" xmlns:r="http://schemas.openxmlformats.org/officeDocument/2006/relationships" xmlns:p="http://schemas.openxmlformats.org/presentationml/2006/main">
   <p:cSld>
     <p:spTree>
@@ -3779,26 +4620,6 @@
 </file>
 
 <file path=customXml/item1.xml><?xml version="1.0" encoding="utf-8"?>
-<?mso-contentType ?>
-<FormTemplates xmlns="http://schemas.microsoft.com/sharepoint/v3/contenttype/forms">
-  <Display>DocumentLibraryForm</Display>
-  <Edit>DocumentLibraryForm</Edit>
-  <New>DocumentLibraryForm</New>
-</FormTemplates>
-</file>
-
-<file path=customXml/item2.xml><?xml version="1.0" encoding="utf-8"?>
-<p:properties xmlns:p="http://schemas.microsoft.com/office/2006/metadata/properties" xmlns:xsi="http://www.w3.org/2001/XMLSchema-instance" xmlns:pc="http://schemas.microsoft.com/office/infopath/2007/PartnerControls">
-  <documentManagement>
-    <lcf76f155ced4ddcb4097134ff3c332f xmlns="aca30c7b-4750-412c-ac36-a331d690ac50">
-      <Terms xmlns="http://schemas.microsoft.com/office/infopath/2007/PartnerControls"/>
-    </lcf76f155ced4ddcb4097134ff3c332f>
-    <TaxCatchAll xmlns="108c3ae2-ec4f-423b-8e4f-0ab9b27566fa" xsi:nil="true"/>
-  </documentManagement>
-</p:properties>
-</file>
-
-<file path=customXml/item3.xml><?xml version="1.0" encoding="utf-8"?>
 <ct:contentTypeSchema xmlns:ct="http://schemas.microsoft.com/office/2006/metadata/contentType" xmlns:ma="http://schemas.microsoft.com/office/2006/metadata/properties/metaAttributes" ct:_="" ma:_="" ma:contentTypeName="Document" ma:contentTypeID="0x0101009C604641F201B44B9A50F6EA31173D82" ma:contentTypeVersion="16" ma:contentTypeDescription="Create a new document." ma:contentTypeScope="" ma:versionID="032ee2258f1da1b8c150ad79f55b478a">
   <xsd:schema xmlns:xsd="http://www.w3.org/2001/XMLSchema" xmlns:xs="http://www.w3.org/2001/XMLSchema" xmlns:p="http://schemas.microsoft.com/office/2006/metadata/properties" xmlns:ns2="aca30c7b-4750-412c-ac36-a331d690ac50" xmlns:ns3="108c3ae2-ec4f-423b-8e4f-0ab9b27566fa" targetNamespace="http://schemas.microsoft.com/office/2006/metadata/properties" ma:root="true" ma:fieldsID="90fb5a0685488eff7eeb57bde5f12eb8" ns2:_="" ns3:_="">
     <xsd:import namespace="aca30c7b-4750-412c-ac36-a331d690ac50"/>
@@ -4041,10 +4862,41 @@
 </ct:contentTypeSchema>
 </file>
 
+<file path=customXml/item2.xml><?xml version="1.0" encoding="utf-8"?>
+<p:properties xmlns:p="http://schemas.microsoft.com/office/2006/metadata/properties" xmlns:xsi="http://www.w3.org/2001/XMLSchema-instance" xmlns:pc="http://schemas.microsoft.com/office/infopath/2007/PartnerControls">
+  <documentManagement>
+    <lcf76f155ced4ddcb4097134ff3c332f xmlns="aca30c7b-4750-412c-ac36-a331d690ac50">
+      <Terms xmlns="http://schemas.microsoft.com/office/infopath/2007/PartnerControls"/>
+    </lcf76f155ced4ddcb4097134ff3c332f>
+    <TaxCatchAll xmlns="108c3ae2-ec4f-423b-8e4f-0ab9b27566fa" xsi:nil="true"/>
+  </documentManagement>
+</p:properties>
+</file>
+
+<file path=customXml/item3.xml><?xml version="1.0" encoding="utf-8"?>
+<?mso-contentType ?>
+<FormTemplates xmlns="http://schemas.microsoft.com/sharepoint/v3/contenttype/forms">
+  <Display>DocumentLibraryForm</Display>
+  <Edit>DocumentLibraryForm</Edit>
+  <New>DocumentLibraryForm</New>
+</FormTemplates>
+</file>
+
 <file path=customXml/itemProps1.xml><?xml version="1.0" encoding="utf-8"?>
-<ds:datastoreItem xmlns:ds="http://schemas.openxmlformats.org/officeDocument/2006/customXml" ds:itemID="{4ABC700D-100C-4F93-9603-9E19C739CE63}">
+<ds:datastoreItem xmlns:ds="http://schemas.openxmlformats.org/officeDocument/2006/customXml" ds:itemID="{8786D149-765C-44A2-8F23-8EB1AD2224AB}">
   <ds:schemaRefs>
-    <ds:schemaRef ds:uri="http://schemas.microsoft.com/sharepoint/v3/contenttype/forms"/>
+    <ds:schemaRef ds:uri="http://schemas.microsoft.com/office/2006/metadata/contentType"/>
+    <ds:schemaRef ds:uri="http://schemas.microsoft.com/office/2006/metadata/properties/metaAttributes"/>
+    <ds:schemaRef ds:uri="http://www.w3.org/2001/XMLSchema"/>
+    <ds:schemaRef ds:uri="http://schemas.microsoft.com/office/2006/metadata/properties"/>
+    <ds:schemaRef ds:uri="aca30c7b-4750-412c-ac36-a331d690ac50"/>
+    <ds:schemaRef ds:uri="108c3ae2-ec4f-423b-8e4f-0ab9b27566fa"/>
+    <ds:schemaRef ds:uri="http://schemas.microsoft.com/office/2006/documentManagement/types"/>
+    <ds:schemaRef ds:uri="http://schemas.microsoft.com/office/infopath/2007/PartnerControls"/>
+    <ds:schemaRef ds:uri="http://schemas.openxmlformats.org/package/2006/metadata/core-properties"/>
+    <ds:schemaRef ds:uri="http://purl.org/dc/elements/1.1/"/>
+    <ds:schemaRef ds:uri="http://purl.org/dc/terms/"/>
+    <ds:schemaRef ds:uri="http://schemas.microsoft.com/internal/obd"/>
   </ds:schemaRefs>
 </ds:datastoreItem>
 </file>
@@ -4061,20 +4913,9 @@
 </file>
 
 <file path=customXml/itemProps3.xml><?xml version="1.0" encoding="utf-8"?>
-<ds:datastoreItem xmlns:ds="http://schemas.openxmlformats.org/officeDocument/2006/customXml" ds:itemID="{8786D149-765C-44A2-8F23-8EB1AD2224AB}">
+<ds:datastoreItem xmlns:ds="http://schemas.openxmlformats.org/officeDocument/2006/customXml" ds:itemID="{4ABC700D-100C-4F93-9603-9E19C739CE63}">
   <ds:schemaRefs>
-    <ds:schemaRef ds:uri="http://schemas.microsoft.com/office/2006/metadata/contentType"/>
-    <ds:schemaRef ds:uri="http://schemas.microsoft.com/office/2006/metadata/properties/metaAttributes"/>
-    <ds:schemaRef ds:uri="http://www.w3.org/2001/XMLSchema"/>
-    <ds:schemaRef ds:uri="http://schemas.microsoft.com/office/2006/metadata/properties"/>
-    <ds:schemaRef ds:uri="aca30c7b-4750-412c-ac36-a331d690ac50"/>
-    <ds:schemaRef ds:uri="108c3ae2-ec4f-423b-8e4f-0ab9b27566fa"/>
-    <ds:schemaRef ds:uri="http://schemas.microsoft.com/office/2006/documentManagement/types"/>
-    <ds:schemaRef ds:uri="http://schemas.microsoft.com/office/infopath/2007/PartnerControls"/>
-    <ds:schemaRef ds:uri="http://schemas.openxmlformats.org/package/2006/metadata/core-properties"/>
-    <ds:schemaRef ds:uri="http://purl.org/dc/elements/1.1/"/>
-    <ds:schemaRef ds:uri="http://purl.org/dc/terms/"/>
-    <ds:schemaRef ds:uri="http://schemas.microsoft.com/internal/obd"/>
+    <ds:schemaRef ds:uri="http://schemas.microsoft.com/sharepoint/v3/contenttype/forms"/>
   </ds:schemaRefs>
 </ds:datastoreItem>
 </file>